--- a/mosaico.pptx
+++ b/mosaico.pptx
@@ -7,6 +7,7 @@
   <p:sldIdLst>
     <p:sldId id="256" r:id="rId2"/>
     <p:sldId id="257" r:id="rId3"/>
+    <p:sldId id="258" r:id="rId4"/>
   </p:sldIdLst>
   <p:sldSz cx="18288000" cy="18288000"/>
   <p:notesSz cx="6858000" cy="9144000"/>
@@ -105,6 +106,11 @@
       </a:defRPr>
     </a:lvl9pPr>
   </p:defaultTextStyle>
+  <p:extLst>
+    <p:ext uri="{EFAFB233-063F-42B5-8137-9DF3F51BA10A}">
+      <p15:sldGuideLst xmlns:p15="http://schemas.microsoft.com/office/powerpoint/2012/main"/>
+    </p:ext>
+  </p:extLst>
 </p:presentation>
 </file>
 
@@ -3391,6 +3397,194 @@
 </p:sld>
 </file>
 
+<file path=ppt/slides/slide3.xml><?xml version="1.0" encoding="utf-8"?>
+<p:sld xmlns:a="http://schemas.openxmlformats.org/drawingml/2006/main" xmlns:r="http://schemas.openxmlformats.org/officeDocument/2006/relationships" xmlns:p="http://schemas.openxmlformats.org/presentationml/2006/main">
+  <p:cSld>
+    <p:bg>
+      <p:bgPr>
+        <a:gradFill flip="none" rotWithShape="1">
+          <a:gsLst>
+            <a:gs pos="0">
+              <a:schemeClr val="accent4">
+                <a:lumMod val="89000"/>
+              </a:schemeClr>
+            </a:gs>
+            <a:gs pos="23000">
+              <a:schemeClr val="accent4">
+                <a:lumMod val="89000"/>
+              </a:schemeClr>
+            </a:gs>
+            <a:gs pos="69000">
+              <a:schemeClr val="accent4">
+                <a:lumMod val="75000"/>
+              </a:schemeClr>
+            </a:gs>
+            <a:gs pos="97000">
+              <a:schemeClr val="accent4">
+                <a:lumMod val="70000"/>
+              </a:schemeClr>
+            </a:gs>
+          </a:gsLst>
+          <a:path path="circle">
+            <a:fillToRect l="50000" t="50000" r="50000" b="50000"/>
+          </a:path>
+          <a:tileRect/>
+        </a:gradFill>
+        <a:effectLst/>
+      </p:bgPr>
+    </p:bg>
+    <p:spTree>
+      <p:nvGrpSpPr>
+        <p:cNvPr id="1" name=""/>
+        <p:cNvGrpSpPr/>
+        <p:nvPr/>
+      </p:nvGrpSpPr>
+      <p:grpSpPr>
+        <a:xfrm>
+          <a:off x="0" y="0"/>
+          <a:ext cx="0" cy="0"/>
+          <a:chOff x="0" y="0"/>
+          <a:chExt cx="0" cy="0"/>
+        </a:xfrm>
+      </p:grpSpPr>
+      <p:pic>
+        <p:nvPicPr>
+          <p:cNvPr id="6" name="Imagen 5" descr="Imagen que contiene dibujo&#10;&#10;Descripción generada automáticamente">
+            <a:extLst>
+              <a:ext uri="{FF2B5EF4-FFF2-40B4-BE49-F238E27FC236}">
+                <a16:creationId xmlns:a16="http://schemas.microsoft.com/office/drawing/2014/main" id="{302BA980-F7B6-46E0-BD35-8B9CC479CE19}"/>
+              </a:ext>
+            </a:extLst>
+          </p:cNvPr>
+          <p:cNvPicPr>
+            <a:picLocks noChangeAspect="1"/>
+          </p:cNvPicPr>
+          <p:nvPr/>
+        </p:nvPicPr>
+        <p:blipFill>
+          <a:blip r:embed="rId2">
+            <a:extLst>
+              <a:ext uri="{28A0092B-C50C-407E-A947-70E740481C1C}">
+                <a14:useLocalDpi xmlns:a14="http://schemas.microsoft.com/office/drawing/2010/main" val="0"/>
+              </a:ext>
+            </a:extLst>
+          </a:blip>
+          <a:stretch>
+            <a:fillRect/>
+          </a:stretch>
+        </p:blipFill>
+        <p:spPr>
+          <a:xfrm>
+            <a:off x="5791193" y="13392174"/>
+            <a:ext cx="6705614" cy="4514097"/>
+          </a:xfrm>
+          <a:prstGeom prst="rect">
+            <a:avLst/>
+          </a:prstGeom>
+          <a:effectLst>
+            <a:outerShdw blurRad="177800" dist="101600" dir="2700000" algn="tl" rotWithShape="0">
+              <a:prstClr val="black">
+                <a:alpha val="40000"/>
+              </a:prstClr>
+            </a:outerShdw>
+          </a:effectLst>
+        </p:spPr>
+      </p:pic>
+      <p:sp>
+        <p:nvSpPr>
+          <p:cNvPr id="7" name="CuadroTexto 6">
+            <a:extLst>
+              <a:ext uri="{FF2B5EF4-FFF2-40B4-BE49-F238E27FC236}">
+                <a16:creationId xmlns:a16="http://schemas.microsoft.com/office/drawing/2014/main" id="{58326008-524F-43C2-9C08-C927A8D11EC9}"/>
+              </a:ext>
+            </a:extLst>
+          </p:cNvPr>
+          <p:cNvSpPr txBox="1"/>
+          <p:nvPr/>
+        </p:nvSpPr>
+        <p:spPr>
+          <a:xfrm>
+            <a:off x="2440891" y="381729"/>
+            <a:ext cx="12797671" cy="2215991"/>
+          </a:xfrm>
+          <a:prstGeom prst="rect">
+            <a:avLst/>
+          </a:prstGeom>
+          <a:noFill/>
+        </p:spPr>
+        <p:txBody>
+          <a:bodyPr wrap="none" rtlCol="0">
+            <a:spAutoFit/>
+          </a:bodyPr>
+          <a:lstStyle/>
+          <a:p>
+            <a:r>
+              <a:rPr lang="es-MX" sz="13800" dirty="0">
+                <a:latin typeface="Cooper Black" panose="0208090404030B020404" pitchFamily="18" charset="0"/>
+              </a:rPr>
+              <a:t>#</a:t>
+            </a:r>
+            <a:r>
+              <a:rPr lang="es-MX" sz="13800" dirty="0" err="1">
+                <a:latin typeface="Cooper Black" panose="0208090404030B020404" pitchFamily="18" charset="0"/>
+              </a:rPr>
+              <a:t>TodosUnidos</a:t>
+            </a:r>
+            <a:endParaRPr lang="es-MX" sz="13800" dirty="0">
+              <a:latin typeface="Cooper Black" panose="0208090404030B020404" pitchFamily="18" charset="0"/>
+            </a:endParaRPr>
+          </a:p>
+        </p:txBody>
+      </p:sp>
+      <p:pic>
+        <p:nvPicPr>
+          <p:cNvPr id="3" name="Imagen 2" descr="Imagen que contiene mujer, computadora, laptop, camiseta&#10;&#10;Descripción generada automáticamente">
+            <a:extLst>
+              <a:ext uri="{FF2B5EF4-FFF2-40B4-BE49-F238E27FC236}">
+                <a16:creationId xmlns:a16="http://schemas.microsoft.com/office/drawing/2014/main" id="{4307B019-E0E1-4C8B-9D91-E1B2B1A9A99D}"/>
+              </a:ext>
+            </a:extLst>
+          </p:cNvPr>
+          <p:cNvPicPr>
+            <a:picLocks noChangeAspect="1"/>
+          </p:cNvPicPr>
+          <p:nvPr/>
+        </p:nvPicPr>
+        <p:blipFill>
+          <a:blip r:embed="rId3">
+            <a:extLst>
+              <a:ext uri="{28A0092B-C50C-407E-A947-70E740481C1C}">
+                <a14:useLocalDpi xmlns:a14="http://schemas.microsoft.com/office/drawing/2010/main" val="0"/>
+              </a:ext>
+            </a:extLst>
+          </a:blip>
+          <a:stretch>
+            <a:fillRect/>
+          </a:stretch>
+        </p:blipFill>
+        <p:spPr>
+          <a:xfrm>
+            <a:off x="11809452" y="3880874"/>
+            <a:ext cx="5564155" cy="3651477"/>
+          </a:xfrm>
+          <a:prstGeom prst="rect">
+            <a:avLst/>
+          </a:prstGeom>
+        </p:spPr>
+      </p:pic>
+    </p:spTree>
+    <p:extLst>
+      <p:ext uri="{BB962C8B-B14F-4D97-AF65-F5344CB8AC3E}">
+        <p14:creationId xmlns:p14="http://schemas.microsoft.com/office/powerpoint/2010/main" val="4226159743"/>
+      </p:ext>
+    </p:extLst>
+  </p:cSld>
+  <p:clrMapOvr>
+    <a:masterClrMapping/>
+  </p:clrMapOvr>
+</p:sld>
+</file>
+
 <file path=ppt/theme/theme1.xml><?xml version="1.0" encoding="utf-8"?>
 <a:theme xmlns:a="http://schemas.openxmlformats.org/drawingml/2006/main" name="Tema de Office">
   <a:themeElements>
